--- a/ASSIGNMENT_5.pptx
+++ b/ASSIGNMENT_5.pptx
@@ -109,6 +109,11 @@
       </a:defRPr>
     </a:lvl9pPr>
   </p:defaultTextStyle>
+  <p:extLst>
+    <p:ext uri="{EFAFB233-063F-42B5-8137-9DF3F51BA10A}">
+      <p15:sldGuideLst xmlns:p15="http://schemas.microsoft.com/office/powerpoint/2012/main"/>
+    </p:ext>
+  </p:extLst>
 </p:presentation>
 </file>
 
@@ -4215,23 +4220,7 @@
                 </a:pPr>
                 <a:r>
                   <a:rPr lang="en-SI" dirty="0"/>
-                  <a:t>  Re-annealing (</a:t>
-                </a:r>
-                <a:r>
-                  <a:rPr lang="en-SI" dirty="0" err="1"/>
-                  <a:t>complet</a:t>
-                </a:r>
-                <a:r>
-                  <a:rPr lang="sl-SI" dirty="0"/>
-                  <a:t>e</a:t>
-                </a:r>
-                <a:r>
-                  <a:rPr lang="en-SI" dirty="0" err="1"/>
-                  <a:t>ly</a:t>
-                </a:r>
-                <a:r>
-                  <a:rPr lang="en-SI" dirty="0"/>
-                  <a:t> randomly)</a:t>
+                  <a:t>  Re-annealing (1.2)</a:t>
                 </a:r>
               </a:p>
               <a:p>
@@ -4291,6 +4280,972 @@
           </p:sp>
         </mc:Fallback>
       </mc:AlternateContent>
+      <p:graphicFrame>
+        <p:nvGraphicFramePr>
+          <p:cNvPr id="5" name="Table 4">
+            <a:extLst>
+              <a:ext uri="{FF2B5EF4-FFF2-40B4-BE49-F238E27FC236}">
+                <a16:creationId xmlns:a16="http://schemas.microsoft.com/office/drawing/2014/main" id="{AFB7352B-1691-B665-1948-60D7500DCACE}"/>
+              </a:ext>
+            </a:extLst>
+          </p:cNvPr>
+          <p:cNvGraphicFramePr>
+            <a:graphicFrameLocks noGrp="1"/>
+          </p:cNvGraphicFramePr>
+          <p:nvPr>
+            <p:extLst>
+              <p:ext uri="{D42A27DB-BD31-4B8C-83A1-F6EECF244321}">
+                <p14:modId xmlns:p14="http://schemas.microsoft.com/office/powerpoint/2010/main" val="2616194423"/>
+              </p:ext>
+            </p:extLst>
+          </p:nvPr>
+        </p:nvGraphicFramePr>
+        <p:xfrm>
+          <a:off x="616154" y="3955462"/>
+          <a:ext cx="5361859" cy="2194560"/>
+        </p:xfrm>
+        <a:graphic>
+          <a:graphicData uri="http://schemas.openxmlformats.org/drawingml/2006/table">
+            <a:tbl>
+              <a:tblPr bandRow="1">
+                <a:tableStyleId>{5940675A-B579-460E-94D1-54222C63F5DA}</a:tableStyleId>
+              </a:tblPr>
+              <a:tblGrid>
+                <a:gridCol w="1368886">
+                  <a:extLst>
+                    <a:ext uri="{9D8B030D-6E8A-4147-A177-3AD203B41FA5}">
+                      <a16:colId xmlns:a16="http://schemas.microsoft.com/office/drawing/2014/main" val="3957022108"/>
+                    </a:ext>
+                  </a:extLst>
+                </a:gridCol>
+                <a:gridCol w="3992973">
+                  <a:extLst>
+                    <a:ext uri="{9D8B030D-6E8A-4147-A177-3AD203B41FA5}">
+                      <a16:colId xmlns:a16="http://schemas.microsoft.com/office/drawing/2014/main" val="3167064221"/>
+                    </a:ext>
+                  </a:extLst>
+                </a:gridCol>
+              </a:tblGrid>
+              <a:tr h="315442">
+                <a:tc>
+                  <a:txBody>
+                    <a:bodyPr/>
+                    <a:lstStyle/>
+                    <a:p>
+                      <a:r>
+                        <a:rPr lang="en-SI" dirty="0"/>
+                        <a:t>F12022</a:t>
+                      </a:r>
+                    </a:p>
+                  </a:txBody>
+                  <a:tcPr/>
+                </a:tc>
+                <a:tc>
+                  <a:txBody>
+                    <a:bodyPr/>
+                    <a:lstStyle/>
+                    <a:p>
+                      <a:pPr marL="0" marR="0" lvl="0" indent="0" algn="l" defTabSz="914400" rtl="0" eaLnBrk="1" fontAlgn="auto" latinLnBrk="0" hangingPunct="1">
+                        <a:lnSpc>
+                          <a:spcPct val="100000"/>
+                        </a:lnSpc>
+                        <a:spcBef>
+                          <a:spcPts val="0"/>
+                        </a:spcBef>
+                        <a:spcAft>
+                          <a:spcPts val="0"/>
+                        </a:spcAft>
+                        <a:buClrTx/>
+                        <a:buSzTx/>
+                        <a:buFontTx/>
+                        <a:buNone/>
+                        <a:tabLst/>
+                        <a:defRPr/>
+                      </a:pPr>
+                      <a:r>
+                        <a:rPr lang="en-SI" sz="1800" b="0" kern="1200" dirty="0">
+                          <a:solidFill>
+                            <a:schemeClr val="tx1"/>
+                          </a:solidFill>
+                          <a:effectLst/>
+                          <a:latin typeface="+mn-lt"/>
+                          <a:ea typeface="+mn-ea"/>
+                          <a:cs typeface="+mn-cs"/>
+                        </a:rPr>
+                        <a:t>312.2173955710074</a:t>
+                      </a:r>
+                    </a:p>
+                  </a:txBody>
+                  <a:tcPr/>
+                </a:tc>
+                <a:extLst>
+                  <a:ext uri="{0D108BD9-81ED-4DB2-BD59-A6C34878D82A}">
+                    <a16:rowId xmlns:a16="http://schemas.microsoft.com/office/drawing/2014/main" val="2051538270"/>
+                  </a:ext>
+                </a:extLst>
+              </a:tr>
+              <a:tr h="315442">
+                <a:tc>
+                  <a:txBody>
+                    <a:bodyPr/>
+                    <a:lstStyle/>
+                    <a:p>
+                      <a:pPr marL="0" marR="0" lvl="0" indent="0" algn="l" defTabSz="914400" rtl="0" eaLnBrk="1" fontAlgn="auto" latinLnBrk="0" hangingPunct="1">
+                        <a:lnSpc>
+                          <a:spcPct val="100000"/>
+                        </a:lnSpc>
+                        <a:spcBef>
+                          <a:spcPts val="0"/>
+                        </a:spcBef>
+                        <a:spcAft>
+                          <a:spcPts val="0"/>
+                        </a:spcAft>
+                        <a:buClrTx/>
+                        <a:buSzTx/>
+                        <a:buFontTx/>
+                        <a:buNone/>
+                        <a:tabLst/>
+                        <a:defRPr/>
+                      </a:pPr>
+                      <a:r>
+                        <a:rPr lang="en-SI" dirty="0"/>
+                        <a:t>F22022</a:t>
+                      </a:r>
+                    </a:p>
+                  </a:txBody>
+                  <a:tcPr/>
+                </a:tc>
+                <a:tc>
+                  <a:txBody>
+                    <a:bodyPr/>
+                    <a:lstStyle/>
+                    <a:p>
+                      <a:pPr marL="0" marR="0" lvl="0" indent="0" algn="l" defTabSz="914400" rtl="0" eaLnBrk="1" fontAlgn="auto" latinLnBrk="0" hangingPunct="1">
+                        <a:lnSpc>
+                          <a:spcPct val="100000"/>
+                        </a:lnSpc>
+                        <a:spcBef>
+                          <a:spcPts val="0"/>
+                        </a:spcBef>
+                        <a:spcAft>
+                          <a:spcPts val="0"/>
+                        </a:spcAft>
+                        <a:buClrTx/>
+                        <a:buSzTx/>
+                        <a:buFontTx/>
+                        <a:buNone/>
+                        <a:tabLst/>
+                        <a:defRPr/>
+                      </a:pPr>
+                      <a:r>
+                        <a:rPr lang="en-SI" sz="1800" b="0" kern="1200" dirty="0">
+                          <a:solidFill>
+                            <a:schemeClr val="tx1"/>
+                          </a:solidFill>
+                          <a:effectLst/>
+                          <a:latin typeface="+mn-lt"/>
+                          <a:ea typeface="+mn-ea"/>
+                          <a:cs typeface="+mn-cs"/>
+                        </a:rPr>
+                        <a:t>406.7887800135768</a:t>
+                      </a:r>
+                    </a:p>
+                  </a:txBody>
+                  <a:tcPr/>
+                </a:tc>
+                <a:extLst>
+                  <a:ext uri="{0D108BD9-81ED-4DB2-BD59-A6C34878D82A}">
+                    <a16:rowId xmlns:a16="http://schemas.microsoft.com/office/drawing/2014/main" val="2980593822"/>
+                  </a:ext>
+                </a:extLst>
+              </a:tr>
+              <a:tr h="315442">
+                <a:tc>
+                  <a:txBody>
+                    <a:bodyPr/>
+                    <a:lstStyle/>
+                    <a:p>
+                      <a:pPr marL="0" marR="0" lvl="0" indent="0" algn="l" defTabSz="914400" rtl="0" eaLnBrk="1" fontAlgn="auto" latinLnBrk="0" hangingPunct="1">
+                        <a:lnSpc>
+                          <a:spcPct val="100000"/>
+                        </a:lnSpc>
+                        <a:spcBef>
+                          <a:spcPts val="0"/>
+                        </a:spcBef>
+                        <a:spcAft>
+                          <a:spcPts val="0"/>
+                        </a:spcAft>
+                        <a:buClrTx/>
+                        <a:buSzTx/>
+                        <a:buFontTx/>
+                        <a:buNone/>
+                        <a:tabLst/>
+                        <a:defRPr/>
+                      </a:pPr>
+                      <a:r>
+                        <a:rPr lang="en-SI" dirty="0"/>
+                        <a:t>F32022</a:t>
+                      </a:r>
+                    </a:p>
+                  </a:txBody>
+                  <a:tcPr/>
+                </a:tc>
+                <a:tc>
+                  <a:txBody>
+                    <a:bodyPr/>
+                    <a:lstStyle/>
+                    <a:p>
+                      <a:pPr marL="0" marR="0" lvl="0" indent="0" algn="l" defTabSz="914400" rtl="0" eaLnBrk="1" fontAlgn="auto" latinLnBrk="0" hangingPunct="1">
+                        <a:lnSpc>
+                          <a:spcPct val="100000"/>
+                        </a:lnSpc>
+                        <a:spcBef>
+                          <a:spcPts val="0"/>
+                        </a:spcBef>
+                        <a:spcAft>
+                          <a:spcPts val="0"/>
+                        </a:spcAft>
+                        <a:buClrTx/>
+                        <a:buSzTx/>
+                        <a:buFontTx/>
+                        <a:buNone/>
+                        <a:tabLst/>
+                        <a:defRPr/>
+                      </a:pPr>
+                      <a:r>
+                        <a:rPr lang="en-SI" sz="1800" b="0" kern="1200" dirty="0">
+                          <a:solidFill>
+                            <a:schemeClr val="tx1"/>
+                          </a:solidFill>
+                          <a:effectLst/>
+                          <a:latin typeface="+mn-lt"/>
+                          <a:ea typeface="+mn-ea"/>
+                          <a:cs typeface="+mn-cs"/>
+                        </a:rPr>
+                        <a:t>600.6559075465144</a:t>
+                      </a:r>
+                    </a:p>
+                  </a:txBody>
+                  <a:tcPr/>
+                </a:tc>
+                <a:extLst>
+                  <a:ext uri="{0D108BD9-81ED-4DB2-BD59-A6C34878D82A}">
+                    <a16:rowId xmlns:a16="http://schemas.microsoft.com/office/drawing/2014/main" val="1627566945"/>
+                  </a:ext>
+                </a:extLst>
+              </a:tr>
+              <a:tr h="315442">
+                <a:tc>
+                  <a:txBody>
+                    <a:bodyPr/>
+                    <a:lstStyle/>
+                    <a:p>
+                      <a:pPr marL="0" marR="0" lvl="0" indent="0" algn="l" defTabSz="914400" rtl="0" eaLnBrk="1" fontAlgn="auto" latinLnBrk="0" hangingPunct="1">
+                        <a:lnSpc>
+                          <a:spcPct val="100000"/>
+                        </a:lnSpc>
+                        <a:spcBef>
+                          <a:spcPts val="0"/>
+                        </a:spcBef>
+                        <a:spcAft>
+                          <a:spcPts val="0"/>
+                        </a:spcAft>
+                        <a:buClrTx/>
+                        <a:buSzTx/>
+                        <a:buFontTx/>
+                        <a:buNone/>
+                        <a:tabLst/>
+                        <a:defRPr/>
+                      </a:pPr>
+                      <a:r>
+                        <a:rPr lang="en-SI" dirty="0"/>
+                        <a:t>F42022</a:t>
+                      </a:r>
+                    </a:p>
+                  </a:txBody>
+                  <a:tcPr/>
+                </a:tc>
+                <a:tc>
+                  <a:txBody>
+                    <a:bodyPr/>
+                    <a:lstStyle/>
+                    <a:p>
+                      <a:pPr marL="0" marR="0" lvl="0" indent="0" algn="l" defTabSz="914400" rtl="0" eaLnBrk="1" fontAlgn="auto" latinLnBrk="0" hangingPunct="1">
+                        <a:lnSpc>
+                          <a:spcPct val="100000"/>
+                        </a:lnSpc>
+                        <a:spcBef>
+                          <a:spcPts val="0"/>
+                        </a:spcBef>
+                        <a:spcAft>
+                          <a:spcPts val="0"/>
+                        </a:spcAft>
+                        <a:buClrTx/>
+                        <a:buSzTx/>
+                        <a:buFontTx/>
+                        <a:buNone/>
+                        <a:tabLst/>
+                        <a:defRPr/>
+                      </a:pPr>
+                      <a:r>
+                        <a:rPr lang="en-SI" sz="1800" b="0" kern="1200" dirty="0">
+                          <a:solidFill>
+                            <a:schemeClr val="tx1"/>
+                          </a:solidFill>
+                          <a:effectLst/>
+                          <a:latin typeface="+mn-lt"/>
+                          <a:ea typeface="+mn-ea"/>
+                          <a:cs typeface="+mn-cs"/>
+                        </a:rPr>
+                        <a:t>984.5320392708223</a:t>
+                      </a:r>
+                    </a:p>
+                  </a:txBody>
+                  <a:tcPr/>
+                </a:tc>
+                <a:extLst>
+                  <a:ext uri="{0D108BD9-81ED-4DB2-BD59-A6C34878D82A}">
+                    <a16:rowId xmlns:a16="http://schemas.microsoft.com/office/drawing/2014/main" val="356488113"/>
+                  </a:ext>
+                </a:extLst>
+              </a:tr>
+              <a:tr h="315442">
+                <a:tc>
+                  <a:txBody>
+                    <a:bodyPr/>
+                    <a:lstStyle/>
+                    <a:p>
+                      <a:pPr marL="0" marR="0" lvl="0" indent="0" algn="l" defTabSz="914400" rtl="0" eaLnBrk="1" fontAlgn="auto" latinLnBrk="0" hangingPunct="1">
+                        <a:lnSpc>
+                          <a:spcPct val="100000"/>
+                        </a:lnSpc>
+                        <a:spcBef>
+                          <a:spcPts val="0"/>
+                        </a:spcBef>
+                        <a:spcAft>
+                          <a:spcPts val="0"/>
+                        </a:spcAft>
+                        <a:buClrTx/>
+                        <a:buSzTx/>
+                        <a:buFontTx/>
+                        <a:buNone/>
+                        <a:tabLst/>
+                        <a:defRPr/>
+                      </a:pPr>
+                      <a:r>
+                        <a:rPr lang="en-SI" dirty="0"/>
+                        <a:t>F52022</a:t>
+                      </a:r>
+                    </a:p>
+                  </a:txBody>
+                  <a:tcPr/>
+                </a:tc>
+                <a:tc>
+                  <a:txBody>
+                    <a:bodyPr/>
+                    <a:lstStyle/>
+                    <a:p>
+                      <a:pPr marL="0" marR="0" lvl="0" indent="0" algn="l" defTabSz="914400" rtl="0" eaLnBrk="1" fontAlgn="auto" latinLnBrk="0" hangingPunct="1">
+                        <a:lnSpc>
+                          <a:spcPct val="100000"/>
+                        </a:lnSpc>
+                        <a:spcBef>
+                          <a:spcPts val="0"/>
+                        </a:spcBef>
+                        <a:spcAft>
+                          <a:spcPts val="0"/>
+                        </a:spcAft>
+                        <a:buClrTx/>
+                        <a:buSzTx/>
+                        <a:buFontTx/>
+                        <a:buNone/>
+                        <a:tabLst/>
+                        <a:defRPr/>
+                      </a:pPr>
+                      <a:r>
+                        <a:rPr lang="en-SI" sz="1800" b="0" kern="1200" dirty="0">
+                          <a:solidFill>
+                            <a:schemeClr val="tx1"/>
+                          </a:solidFill>
+                          <a:effectLst/>
+                          <a:latin typeface="+mn-lt"/>
+                          <a:ea typeface="+mn-ea"/>
+                          <a:cs typeface="+mn-cs"/>
+                        </a:rPr>
+                        <a:t>903.8331327334566</a:t>
+                      </a:r>
+                    </a:p>
+                  </a:txBody>
+                  <a:tcPr/>
+                </a:tc>
+                <a:extLst>
+                  <a:ext uri="{0D108BD9-81ED-4DB2-BD59-A6C34878D82A}">
+                    <a16:rowId xmlns:a16="http://schemas.microsoft.com/office/drawing/2014/main" val="3159521088"/>
+                  </a:ext>
+                </a:extLst>
+              </a:tr>
+              <a:tr h="315442">
+                <a:tc>
+                  <a:txBody>
+                    <a:bodyPr/>
+                    <a:lstStyle/>
+                    <a:p>
+                      <a:pPr marL="0" marR="0" lvl="0" indent="0" algn="l" defTabSz="914400" rtl="0" eaLnBrk="1" fontAlgn="auto" latinLnBrk="0" hangingPunct="1">
+                        <a:lnSpc>
+                          <a:spcPct val="100000"/>
+                        </a:lnSpc>
+                        <a:spcBef>
+                          <a:spcPts val="0"/>
+                        </a:spcBef>
+                        <a:spcAft>
+                          <a:spcPts val="0"/>
+                        </a:spcAft>
+                        <a:buClrTx/>
+                        <a:buSzTx/>
+                        <a:buFontTx/>
+                        <a:buNone/>
+                        <a:tabLst/>
+                        <a:defRPr/>
+                      </a:pPr>
+                      <a:r>
+                        <a:rPr lang="en-SI" dirty="0"/>
+                        <a:t>F62022</a:t>
+                      </a:r>
+                    </a:p>
+                  </a:txBody>
+                  <a:tcPr/>
+                </a:tc>
+                <a:tc>
+                  <a:txBody>
+                    <a:bodyPr/>
+                    <a:lstStyle/>
+                    <a:p>
+                      <a:pPr marL="0" marR="0" lvl="0" indent="0" algn="l" defTabSz="914400" rtl="0" eaLnBrk="1" fontAlgn="auto" latinLnBrk="0" hangingPunct="1">
+                        <a:lnSpc>
+                          <a:spcPct val="100000"/>
+                        </a:lnSpc>
+                        <a:spcBef>
+                          <a:spcPts val="0"/>
+                        </a:spcBef>
+                        <a:spcAft>
+                          <a:spcPts val="0"/>
+                        </a:spcAft>
+                        <a:buClrTx/>
+                        <a:buSzTx/>
+                        <a:buFontTx/>
+                        <a:buNone/>
+                        <a:tabLst/>
+                        <a:defRPr/>
+                      </a:pPr>
+                      <a:r>
+                        <a:rPr lang="en-SI" sz="1800" b="0" kern="1200" dirty="0">
+                          <a:solidFill>
+                            <a:schemeClr val="tx1"/>
+                          </a:solidFill>
+                          <a:effectLst/>
+                          <a:latin typeface="+mn-lt"/>
+                          <a:ea typeface="+mn-ea"/>
+                          <a:cs typeface="+mn-cs"/>
+                        </a:rPr>
+                        <a:t>228422.87778480782</a:t>
+                      </a:r>
+                    </a:p>
+                  </a:txBody>
+                  <a:tcPr/>
+                </a:tc>
+                <a:extLst>
+                  <a:ext uri="{0D108BD9-81ED-4DB2-BD59-A6C34878D82A}">
+                    <a16:rowId xmlns:a16="http://schemas.microsoft.com/office/drawing/2014/main" val="3105921715"/>
+                  </a:ext>
+                </a:extLst>
+              </a:tr>
+            </a:tbl>
+          </a:graphicData>
+        </a:graphic>
+      </p:graphicFrame>
+      <p:graphicFrame>
+        <p:nvGraphicFramePr>
+          <p:cNvPr id="6" name="Table 5">
+            <a:extLst>
+              <a:ext uri="{FF2B5EF4-FFF2-40B4-BE49-F238E27FC236}">
+                <a16:creationId xmlns:a16="http://schemas.microsoft.com/office/drawing/2014/main" id="{90F43160-FA7B-E4C1-74A9-E3378FD11C95}"/>
+              </a:ext>
+            </a:extLst>
+          </p:cNvPr>
+          <p:cNvGraphicFramePr>
+            <a:graphicFrameLocks noGrp="1"/>
+          </p:cNvGraphicFramePr>
+          <p:nvPr>
+            <p:extLst>
+              <p:ext uri="{D42A27DB-BD31-4B8C-83A1-F6EECF244321}">
+                <p14:modId xmlns:p14="http://schemas.microsoft.com/office/powerpoint/2010/main" val="4139353789"/>
+              </p:ext>
+            </p:extLst>
+          </p:nvPr>
+        </p:nvGraphicFramePr>
+        <p:xfrm>
+          <a:off x="6459139" y="3955462"/>
+          <a:ext cx="5361859" cy="2194560"/>
+        </p:xfrm>
+        <a:graphic>
+          <a:graphicData uri="http://schemas.openxmlformats.org/drawingml/2006/table">
+            <a:tbl>
+              <a:tblPr bandRow="1">
+                <a:tableStyleId>{5940675A-B579-460E-94D1-54222C63F5DA}</a:tableStyleId>
+              </a:tblPr>
+              <a:tblGrid>
+                <a:gridCol w="1368886">
+                  <a:extLst>
+                    <a:ext uri="{9D8B030D-6E8A-4147-A177-3AD203B41FA5}">
+                      <a16:colId xmlns:a16="http://schemas.microsoft.com/office/drawing/2014/main" val="3957022108"/>
+                    </a:ext>
+                  </a:extLst>
+                </a:gridCol>
+                <a:gridCol w="3992973">
+                  <a:extLst>
+                    <a:ext uri="{9D8B030D-6E8A-4147-A177-3AD203B41FA5}">
+                      <a16:colId xmlns:a16="http://schemas.microsoft.com/office/drawing/2014/main" val="3167064221"/>
+                    </a:ext>
+                  </a:extLst>
+                </a:gridCol>
+              </a:tblGrid>
+              <a:tr h="315442">
+                <a:tc>
+                  <a:txBody>
+                    <a:bodyPr/>
+                    <a:lstStyle/>
+                    <a:p>
+                      <a:r>
+                        <a:rPr lang="en-SI" dirty="0"/>
+                        <a:t>F72022</a:t>
+                      </a:r>
+                    </a:p>
+                  </a:txBody>
+                  <a:tcPr/>
+                </a:tc>
+                <a:tc>
+                  <a:txBody>
+                    <a:bodyPr/>
+                    <a:lstStyle/>
+                    <a:p>
+                      <a:pPr marL="0" marR="0" lvl="0" indent="0" algn="l" defTabSz="914400" rtl="0" eaLnBrk="1" fontAlgn="auto" latinLnBrk="0" hangingPunct="1">
+                        <a:lnSpc>
+                          <a:spcPct val="100000"/>
+                        </a:lnSpc>
+                        <a:spcBef>
+                          <a:spcPts val="0"/>
+                        </a:spcBef>
+                        <a:spcAft>
+                          <a:spcPts val="0"/>
+                        </a:spcAft>
+                        <a:buClrTx/>
+                        <a:buSzTx/>
+                        <a:buFontTx/>
+                        <a:buNone/>
+                        <a:tabLst/>
+                        <a:defRPr/>
+                      </a:pPr>
+                      <a:r>
+                        <a:rPr lang="en-SI" sz="1800" b="0" kern="1200" dirty="0">
+                          <a:solidFill>
+                            <a:schemeClr val="tx1"/>
+                          </a:solidFill>
+                          <a:effectLst/>
+                          <a:latin typeface="+mn-lt"/>
+                          <a:ea typeface="+mn-ea"/>
+                          <a:cs typeface="+mn-cs"/>
+                        </a:rPr>
+                        <a:t>2078.3302751034325</a:t>
+                      </a:r>
+                    </a:p>
+                  </a:txBody>
+                  <a:tcPr/>
+                </a:tc>
+                <a:extLst>
+                  <a:ext uri="{0D108BD9-81ED-4DB2-BD59-A6C34878D82A}">
+                    <a16:rowId xmlns:a16="http://schemas.microsoft.com/office/drawing/2014/main" val="2051538270"/>
+                  </a:ext>
+                </a:extLst>
+              </a:tr>
+              <a:tr h="315442">
+                <a:tc>
+                  <a:txBody>
+                    <a:bodyPr/>
+                    <a:lstStyle/>
+                    <a:p>
+                      <a:pPr marL="0" marR="0" lvl="0" indent="0" algn="l" defTabSz="914400" rtl="0" eaLnBrk="1" fontAlgn="auto" latinLnBrk="0" hangingPunct="1">
+                        <a:lnSpc>
+                          <a:spcPct val="100000"/>
+                        </a:lnSpc>
+                        <a:spcBef>
+                          <a:spcPts val="0"/>
+                        </a:spcBef>
+                        <a:spcAft>
+                          <a:spcPts val="0"/>
+                        </a:spcAft>
+                        <a:buClrTx/>
+                        <a:buSzTx/>
+                        <a:buFontTx/>
+                        <a:buNone/>
+                        <a:tabLst/>
+                        <a:defRPr/>
+                      </a:pPr>
+                      <a:r>
+                        <a:rPr lang="en-SI" dirty="0"/>
+                        <a:t>F82022</a:t>
+                      </a:r>
+                    </a:p>
+                  </a:txBody>
+                  <a:tcPr/>
+                </a:tc>
+                <a:tc>
+                  <a:txBody>
+                    <a:bodyPr/>
+                    <a:lstStyle/>
+                    <a:p>
+                      <a:pPr marL="0" marR="0" lvl="0" indent="0" algn="l" defTabSz="914400" rtl="0" eaLnBrk="1" fontAlgn="auto" latinLnBrk="0" hangingPunct="1">
+                        <a:lnSpc>
+                          <a:spcPct val="100000"/>
+                        </a:lnSpc>
+                        <a:spcBef>
+                          <a:spcPts val="0"/>
+                        </a:spcBef>
+                        <a:spcAft>
+                          <a:spcPts val="0"/>
+                        </a:spcAft>
+                        <a:buClrTx/>
+                        <a:buSzTx/>
+                        <a:buFontTx/>
+                        <a:buNone/>
+                        <a:tabLst/>
+                        <a:defRPr/>
+                      </a:pPr>
+                      <a:r>
+                        <a:rPr lang="en-SI" sz="1800" b="0" kern="1200" dirty="0">
+                          <a:solidFill>
+                            <a:schemeClr val="tx1"/>
+                          </a:solidFill>
+                          <a:effectLst/>
+                          <a:latin typeface="+mn-lt"/>
+                          <a:ea typeface="+mn-ea"/>
+                          <a:cs typeface="+mn-cs"/>
+                        </a:rPr>
+                        <a:t>2266.8641474399637</a:t>
+                      </a:r>
+                    </a:p>
+                  </a:txBody>
+                  <a:tcPr/>
+                </a:tc>
+                <a:extLst>
+                  <a:ext uri="{0D108BD9-81ED-4DB2-BD59-A6C34878D82A}">
+                    <a16:rowId xmlns:a16="http://schemas.microsoft.com/office/drawing/2014/main" val="2980593822"/>
+                  </a:ext>
+                </a:extLst>
+              </a:tr>
+              <a:tr h="315442">
+                <a:tc>
+                  <a:txBody>
+                    <a:bodyPr/>
+                    <a:lstStyle/>
+                    <a:p>
+                      <a:pPr marL="0" marR="0" lvl="0" indent="0" algn="l" defTabSz="914400" rtl="0" eaLnBrk="1" fontAlgn="auto" latinLnBrk="0" hangingPunct="1">
+                        <a:lnSpc>
+                          <a:spcPct val="100000"/>
+                        </a:lnSpc>
+                        <a:spcBef>
+                          <a:spcPts val="0"/>
+                        </a:spcBef>
+                        <a:spcAft>
+                          <a:spcPts val="0"/>
+                        </a:spcAft>
+                        <a:buClrTx/>
+                        <a:buSzTx/>
+                        <a:buFontTx/>
+                        <a:buNone/>
+                        <a:tabLst/>
+                        <a:defRPr/>
+                      </a:pPr>
+                      <a:r>
+                        <a:rPr lang="en-SI" dirty="0"/>
+                        <a:t>F92022</a:t>
+                      </a:r>
+                    </a:p>
+                  </a:txBody>
+                  <a:tcPr/>
+                </a:tc>
+                <a:tc>
+                  <a:txBody>
+                    <a:bodyPr/>
+                    <a:lstStyle/>
+                    <a:p>
+                      <a:pPr marL="0" marR="0" lvl="0" indent="0" algn="l" defTabSz="914400" rtl="0" eaLnBrk="1" fontAlgn="auto" latinLnBrk="0" hangingPunct="1">
+                        <a:lnSpc>
+                          <a:spcPct val="100000"/>
+                        </a:lnSpc>
+                        <a:spcBef>
+                          <a:spcPts val="0"/>
+                        </a:spcBef>
+                        <a:spcAft>
+                          <a:spcPts val="0"/>
+                        </a:spcAft>
+                        <a:buClrTx/>
+                        <a:buSzTx/>
+                        <a:buFontTx/>
+                        <a:buNone/>
+                        <a:tabLst/>
+                        <a:defRPr/>
+                      </a:pPr>
+                      <a:r>
+                        <a:rPr lang="en-SI" sz="1800" b="0" kern="1200" dirty="0">
+                          <a:solidFill>
+                            <a:schemeClr val="tx1"/>
+                          </a:solidFill>
+                          <a:effectLst/>
+                          <a:latin typeface="+mn-lt"/>
+                          <a:ea typeface="+mn-ea"/>
+                          <a:cs typeface="+mn-cs"/>
+                        </a:rPr>
+                        <a:t>2304.9984384640884</a:t>
+                      </a:r>
+                    </a:p>
+                  </a:txBody>
+                  <a:tcPr/>
+                </a:tc>
+                <a:extLst>
+                  <a:ext uri="{0D108BD9-81ED-4DB2-BD59-A6C34878D82A}">
+                    <a16:rowId xmlns:a16="http://schemas.microsoft.com/office/drawing/2014/main" val="1627566945"/>
+                  </a:ext>
+                </a:extLst>
+              </a:tr>
+              <a:tr h="315442">
+                <a:tc>
+                  <a:txBody>
+                    <a:bodyPr/>
+                    <a:lstStyle/>
+                    <a:p>
+                      <a:pPr marL="0" marR="0" lvl="0" indent="0" algn="l" defTabSz="914400" rtl="0" eaLnBrk="1" fontAlgn="auto" latinLnBrk="0" hangingPunct="1">
+                        <a:lnSpc>
+                          <a:spcPct val="100000"/>
+                        </a:lnSpc>
+                        <a:spcBef>
+                          <a:spcPts val="0"/>
+                        </a:spcBef>
+                        <a:spcAft>
+                          <a:spcPts val="0"/>
+                        </a:spcAft>
+                        <a:buClrTx/>
+                        <a:buSzTx/>
+                        <a:buFontTx/>
+                        <a:buNone/>
+                        <a:tabLst/>
+                        <a:defRPr/>
+                      </a:pPr>
+                      <a:r>
+                        <a:rPr lang="en-SI" dirty="0"/>
+                        <a:t>F102022</a:t>
+                      </a:r>
+                    </a:p>
+                  </a:txBody>
+                  <a:tcPr/>
+                </a:tc>
+                <a:tc>
+                  <a:txBody>
+                    <a:bodyPr/>
+                    <a:lstStyle/>
+                    <a:p>
+                      <a:pPr marL="0" marR="0" lvl="0" indent="0" algn="l" defTabSz="914400" rtl="0" eaLnBrk="1" fontAlgn="auto" latinLnBrk="0" hangingPunct="1">
+                        <a:lnSpc>
+                          <a:spcPct val="100000"/>
+                        </a:lnSpc>
+                        <a:spcBef>
+                          <a:spcPts val="0"/>
+                        </a:spcBef>
+                        <a:spcAft>
+                          <a:spcPts val="0"/>
+                        </a:spcAft>
+                        <a:buClrTx/>
+                        <a:buSzTx/>
+                        <a:buFontTx/>
+                        <a:buNone/>
+                        <a:tabLst/>
+                        <a:defRPr/>
+                      </a:pPr>
+                      <a:r>
+                        <a:rPr lang="en-SI" sz="1800" b="0" kern="1200" dirty="0">
+                          <a:solidFill>
+                            <a:schemeClr val="tx1"/>
+                          </a:solidFill>
+                          <a:effectLst/>
+                          <a:latin typeface="+mn-lt"/>
+                          <a:ea typeface="+mn-ea"/>
+                          <a:cs typeface="+mn-cs"/>
+                        </a:rPr>
+                        <a:t>-950.7822909441729</a:t>
+                      </a:r>
+                    </a:p>
+                  </a:txBody>
+                  <a:tcPr/>
+                </a:tc>
+                <a:extLst>
+                  <a:ext uri="{0D108BD9-81ED-4DB2-BD59-A6C34878D82A}">
+                    <a16:rowId xmlns:a16="http://schemas.microsoft.com/office/drawing/2014/main" val="356488113"/>
+                  </a:ext>
+                </a:extLst>
+              </a:tr>
+              <a:tr h="315442">
+                <a:tc>
+                  <a:txBody>
+                    <a:bodyPr/>
+                    <a:lstStyle/>
+                    <a:p>
+                      <a:pPr marL="0" marR="0" lvl="0" indent="0" algn="l" defTabSz="914400" rtl="0" eaLnBrk="1" fontAlgn="auto" latinLnBrk="0" hangingPunct="1">
+                        <a:lnSpc>
+                          <a:spcPct val="100000"/>
+                        </a:lnSpc>
+                        <a:spcBef>
+                          <a:spcPts val="0"/>
+                        </a:spcBef>
+                        <a:spcAft>
+                          <a:spcPts val="0"/>
+                        </a:spcAft>
+                        <a:buClrTx/>
+                        <a:buSzTx/>
+                        <a:buFontTx/>
+                        <a:buNone/>
+                        <a:tabLst/>
+                        <a:defRPr/>
+                      </a:pPr>
+                      <a:r>
+                        <a:rPr lang="en-SI" dirty="0"/>
+                        <a:t>F112022</a:t>
+                      </a:r>
+                    </a:p>
+                  </a:txBody>
+                  <a:tcPr/>
+                </a:tc>
+                <a:tc>
+                  <a:txBody>
+                    <a:bodyPr/>
+                    <a:lstStyle/>
+                    <a:p>
+                      <a:pPr marL="0" marR="0" lvl="0" indent="0" algn="l" defTabSz="914400" rtl="0" eaLnBrk="1" fontAlgn="auto" latinLnBrk="0" hangingPunct="1">
+                        <a:lnSpc>
+                          <a:spcPct val="100000"/>
+                        </a:lnSpc>
+                        <a:spcBef>
+                          <a:spcPts val="0"/>
+                        </a:spcBef>
+                        <a:spcAft>
+                          <a:spcPts val="0"/>
+                        </a:spcAft>
+                        <a:buClrTx/>
+                        <a:buSzTx/>
+                        <a:buFontTx/>
+                        <a:buNone/>
+                        <a:tabLst/>
+                        <a:defRPr/>
+                      </a:pPr>
+                      <a:r>
+                        <a:rPr lang="en-SI" sz="1800" b="0" kern="1200" dirty="0">
+                          <a:solidFill>
+                            <a:schemeClr val="tx1"/>
+                          </a:solidFill>
+                          <a:effectLst/>
+                          <a:latin typeface="+mn-lt"/>
+                          <a:ea typeface="+mn-ea"/>
+                          <a:cs typeface="+mn-cs"/>
+                        </a:rPr>
+                        <a:t>2601.2469677318354</a:t>
+                      </a:r>
+                    </a:p>
+                  </a:txBody>
+                  <a:tcPr/>
+                </a:tc>
+                <a:extLst>
+                  <a:ext uri="{0D108BD9-81ED-4DB2-BD59-A6C34878D82A}">
+                    <a16:rowId xmlns:a16="http://schemas.microsoft.com/office/drawing/2014/main" val="3159521088"/>
+                  </a:ext>
+                </a:extLst>
+              </a:tr>
+              <a:tr h="315442">
+                <a:tc>
+                  <a:txBody>
+                    <a:bodyPr/>
+                    <a:lstStyle/>
+                    <a:p>
+                      <a:pPr marL="0" marR="0" lvl="0" indent="0" algn="l" defTabSz="914400" rtl="0" eaLnBrk="1" fontAlgn="auto" latinLnBrk="0" hangingPunct="1">
+                        <a:lnSpc>
+                          <a:spcPct val="100000"/>
+                        </a:lnSpc>
+                        <a:spcBef>
+                          <a:spcPts val="0"/>
+                        </a:spcBef>
+                        <a:spcAft>
+                          <a:spcPts val="0"/>
+                        </a:spcAft>
+                        <a:buClrTx/>
+                        <a:buSzTx/>
+                        <a:buFontTx/>
+                        <a:buNone/>
+                        <a:tabLst/>
+                        <a:defRPr/>
+                      </a:pPr>
+                      <a:r>
+                        <a:rPr lang="en-SI" dirty="0"/>
+                        <a:t>F122022</a:t>
+                      </a:r>
+                    </a:p>
+                  </a:txBody>
+                  <a:tcPr/>
+                </a:tc>
+                <a:tc>
+                  <a:txBody>
+                    <a:bodyPr/>
+                    <a:lstStyle/>
+                    <a:p>
+                      <a:pPr marL="0" marR="0" lvl="0" indent="0" algn="l" defTabSz="914400" rtl="0" eaLnBrk="1" fontAlgn="auto" latinLnBrk="0" hangingPunct="1">
+                        <a:lnSpc>
+                          <a:spcPct val="100000"/>
+                        </a:lnSpc>
+                        <a:spcBef>
+                          <a:spcPts val="0"/>
+                        </a:spcBef>
+                        <a:spcAft>
+                          <a:spcPts val="0"/>
+                        </a:spcAft>
+                        <a:buClrTx/>
+                        <a:buSzTx/>
+                        <a:buFontTx/>
+                        <a:buNone/>
+                        <a:tabLst/>
+                        <a:defRPr/>
+                      </a:pPr>
+                      <a:r>
+                        <a:rPr lang="en-SI" sz="1800" b="0" kern="1200" dirty="0">
+                          <a:solidFill>
+                            <a:schemeClr val="tx1"/>
+                          </a:solidFill>
+                          <a:effectLst/>
+                          <a:latin typeface="+mn-lt"/>
+                          <a:ea typeface="+mn-ea"/>
+                          <a:cs typeface="+mn-cs"/>
+                        </a:rPr>
+                        <a:t>2176.547928565096</a:t>
+                      </a:r>
+                    </a:p>
+                  </a:txBody>
+                  <a:tcPr/>
+                </a:tc>
+                <a:extLst>
+                  <a:ext uri="{0D108BD9-81ED-4DB2-BD59-A6C34878D82A}">
+                    <a16:rowId xmlns:a16="http://schemas.microsoft.com/office/drawing/2014/main" val="3105921715"/>
+                  </a:ext>
+                </a:extLst>
+              </a:tr>
+            </a:tbl>
+          </a:graphicData>
+        </a:graphic>
+      </p:graphicFrame>
     </p:spTree>
     <p:extLst>
       <p:ext uri="{BB962C8B-B14F-4D97-AF65-F5344CB8AC3E}">
@@ -4520,6 +5475,819 @@
           </a:p>
         </p:txBody>
       </p:sp>
+      <p:graphicFrame>
+        <p:nvGraphicFramePr>
+          <p:cNvPr id="4" name="Table 3">
+            <a:extLst>
+              <a:ext uri="{FF2B5EF4-FFF2-40B4-BE49-F238E27FC236}">
+                <a16:creationId xmlns:a16="http://schemas.microsoft.com/office/drawing/2014/main" id="{782BE001-E003-8AB7-3CD5-D9B14D743D7B}"/>
+              </a:ext>
+            </a:extLst>
+          </p:cNvPr>
+          <p:cNvGraphicFramePr>
+            <a:graphicFrameLocks noGrp="1"/>
+          </p:cNvGraphicFramePr>
+          <p:nvPr>
+            <p:extLst>
+              <p:ext uri="{D42A27DB-BD31-4B8C-83A1-F6EECF244321}">
+                <p14:modId xmlns:p14="http://schemas.microsoft.com/office/powerpoint/2010/main" val="2385707086"/>
+              </p:ext>
+            </p:extLst>
+          </p:nvPr>
+        </p:nvGraphicFramePr>
+        <p:xfrm>
+          <a:off x="707924" y="3913908"/>
+          <a:ext cx="5361859" cy="2194560"/>
+        </p:xfrm>
+        <a:graphic>
+          <a:graphicData uri="http://schemas.openxmlformats.org/drawingml/2006/table">
+            <a:tbl>
+              <a:tblPr bandRow="1">
+                <a:tableStyleId>{5940675A-B579-460E-94D1-54222C63F5DA}</a:tableStyleId>
+              </a:tblPr>
+              <a:tblGrid>
+                <a:gridCol w="1368886">
+                  <a:extLst>
+                    <a:ext uri="{9D8B030D-6E8A-4147-A177-3AD203B41FA5}">
+                      <a16:colId xmlns:a16="http://schemas.microsoft.com/office/drawing/2014/main" val="3957022108"/>
+                    </a:ext>
+                  </a:extLst>
+                </a:gridCol>
+                <a:gridCol w="3992973">
+                  <a:extLst>
+                    <a:ext uri="{9D8B030D-6E8A-4147-A177-3AD203B41FA5}">
+                      <a16:colId xmlns:a16="http://schemas.microsoft.com/office/drawing/2014/main" val="3167064221"/>
+                    </a:ext>
+                  </a:extLst>
+                </a:gridCol>
+              </a:tblGrid>
+              <a:tr h="315442">
+                <a:tc>
+                  <a:txBody>
+                    <a:bodyPr/>
+                    <a:lstStyle/>
+                    <a:p>
+                      <a:r>
+                        <a:rPr lang="en-SI" dirty="0"/>
+                        <a:t>F12022</a:t>
+                      </a:r>
+                    </a:p>
+                  </a:txBody>
+                  <a:tcPr/>
+                </a:tc>
+                <a:tc>
+                  <a:txBody>
+                    <a:bodyPr/>
+                    <a:lstStyle/>
+                    <a:p>
+                      <a:r>
+                        <a:rPr lang="en-SI" sz="1800" b="0" kern="1200" dirty="0">
+                          <a:solidFill>
+                            <a:schemeClr val="tx1"/>
+                          </a:solidFill>
+                          <a:effectLst/>
+                          <a:latin typeface="+mn-lt"/>
+                          <a:ea typeface="+mn-ea"/>
+                          <a:cs typeface="+mn-cs"/>
+                        </a:rPr>
+                        <a:t>1282.116673096632</a:t>
+                      </a:r>
+                    </a:p>
+                  </a:txBody>
+                  <a:tcPr/>
+                </a:tc>
+                <a:extLst>
+                  <a:ext uri="{0D108BD9-81ED-4DB2-BD59-A6C34878D82A}">
+                    <a16:rowId xmlns:a16="http://schemas.microsoft.com/office/drawing/2014/main" val="2051538270"/>
+                  </a:ext>
+                </a:extLst>
+              </a:tr>
+              <a:tr h="315442">
+                <a:tc>
+                  <a:txBody>
+                    <a:bodyPr/>
+                    <a:lstStyle/>
+                    <a:p>
+                      <a:pPr marL="0" marR="0" lvl="0" indent="0" algn="l" defTabSz="914400" rtl="0" eaLnBrk="1" fontAlgn="auto" latinLnBrk="0" hangingPunct="1">
+                        <a:lnSpc>
+                          <a:spcPct val="100000"/>
+                        </a:lnSpc>
+                        <a:spcBef>
+                          <a:spcPts val="0"/>
+                        </a:spcBef>
+                        <a:spcAft>
+                          <a:spcPts val="0"/>
+                        </a:spcAft>
+                        <a:buClrTx/>
+                        <a:buSzTx/>
+                        <a:buFontTx/>
+                        <a:buNone/>
+                        <a:tabLst/>
+                        <a:defRPr/>
+                      </a:pPr>
+                      <a:r>
+                        <a:rPr lang="en-SI" dirty="0"/>
+                        <a:t>F22022</a:t>
+                      </a:r>
+                    </a:p>
+                  </a:txBody>
+                  <a:tcPr/>
+                </a:tc>
+                <a:tc>
+                  <a:txBody>
+                    <a:bodyPr/>
+                    <a:lstStyle/>
+                    <a:p>
+                      <a:r>
+                        <a:rPr lang="en-SI" sz="1800" b="0" kern="1200" dirty="0">
+                          <a:solidFill>
+                            <a:schemeClr val="tx1"/>
+                          </a:solidFill>
+                          <a:effectLst/>
+                          <a:latin typeface="+mn-lt"/>
+                          <a:ea typeface="+mn-ea"/>
+                          <a:cs typeface="+mn-cs"/>
+                        </a:rPr>
+                        <a:t>476.6774550097896</a:t>
+                      </a:r>
+                    </a:p>
+                  </a:txBody>
+                  <a:tcPr/>
+                </a:tc>
+                <a:extLst>
+                  <a:ext uri="{0D108BD9-81ED-4DB2-BD59-A6C34878D82A}">
+                    <a16:rowId xmlns:a16="http://schemas.microsoft.com/office/drawing/2014/main" val="2980593822"/>
+                  </a:ext>
+                </a:extLst>
+              </a:tr>
+              <a:tr h="315442">
+                <a:tc>
+                  <a:txBody>
+                    <a:bodyPr/>
+                    <a:lstStyle/>
+                    <a:p>
+                      <a:pPr marL="0" marR="0" lvl="0" indent="0" algn="l" defTabSz="914400" rtl="0" eaLnBrk="1" fontAlgn="auto" latinLnBrk="0" hangingPunct="1">
+                        <a:lnSpc>
+                          <a:spcPct val="100000"/>
+                        </a:lnSpc>
+                        <a:spcBef>
+                          <a:spcPts val="0"/>
+                        </a:spcBef>
+                        <a:spcAft>
+                          <a:spcPts val="0"/>
+                        </a:spcAft>
+                        <a:buClrTx/>
+                        <a:buSzTx/>
+                        <a:buFontTx/>
+                        <a:buNone/>
+                        <a:tabLst/>
+                        <a:defRPr/>
+                      </a:pPr>
+                      <a:r>
+                        <a:rPr lang="en-SI" dirty="0"/>
+                        <a:t>F32022</a:t>
+                      </a:r>
+                    </a:p>
+                  </a:txBody>
+                  <a:tcPr/>
+                </a:tc>
+                <a:tc>
+                  <a:txBody>
+                    <a:bodyPr/>
+                    <a:lstStyle/>
+                    <a:p>
+                      <a:r>
+                        <a:rPr lang="en-SI" sz="1800" b="0" kern="1200" dirty="0">
+                          <a:solidFill>
+                            <a:schemeClr val="tx1"/>
+                          </a:solidFill>
+                          <a:effectLst/>
+                          <a:latin typeface="+mn-lt"/>
+                          <a:ea typeface="+mn-ea"/>
+                          <a:cs typeface="+mn-cs"/>
+                        </a:rPr>
+                        <a:t>600.0250961098025</a:t>
+                      </a:r>
+                    </a:p>
+                  </a:txBody>
+                  <a:tcPr/>
+                </a:tc>
+                <a:extLst>
+                  <a:ext uri="{0D108BD9-81ED-4DB2-BD59-A6C34878D82A}">
+                    <a16:rowId xmlns:a16="http://schemas.microsoft.com/office/drawing/2014/main" val="1627566945"/>
+                  </a:ext>
+                </a:extLst>
+              </a:tr>
+              <a:tr h="315442">
+                <a:tc>
+                  <a:txBody>
+                    <a:bodyPr/>
+                    <a:lstStyle/>
+                    <a:p>
+                      <a:pPr marL="0" marR="0" lvl="0" indent="0" algn="l" defTabSz="914400" rtl="0" eaLnBrk="1" fontAlgn="auto" latinLnBrk="0" hangingPunct="1">
+                        <a:lnSpc>
+                          <a:spcPct val="100000"/>
+                        </a:lnSpc>
+                        <a:spcBef>
+                          <a:spcPts val="0"/>
+                        </a:spcBef>
+                        <a:spcAft>
+                          <a:spcPts val="0"/>
+                        </a:spcAft>
+                        <a:buClrTx/>
+                        <a:buSzTx/>
+                        <a:buFontTx/>
+                        <a:buNone/>
+                        <a:tabLst/>
+                        <a:defRPr/>
+                      </a:pPr>
+                      <a:r>
+                        <a:rPr lang="en-SI" dirty="0"/>
+                        <a:t>F42022</a:t>
+                      </a:r>
+                    </a:p>
+                  </a:txBody>
+                  <a:tcPr/>
+                </a:tc>
+                <a:tc>
+                  <a:txBody>
+                    <a:bodyPr/>
+                    <a:lstStyle/>
+                    <a:p>
+                      <a:pPr marL="0" marR="0" lvl="0" indent="0" algn="l" defTabSz="914400" rtl="0" eaLnBrk="1" fontAlgn="auto" latinLnBrk="0" hangingPunct="1">
+                        <a:lnSpc>
+                          <a:spcPct val="100000"/>
+                        </a:lnSpc>
+                        <a:spcBef>
+                          <a:spcPts val="0"/>
+                        </a:spcBef>
+                        <a:spcAft>
+                          <a:spcPts val="0"/>
+                        </a:spcAft>
+                        <a:buClrTx/>
+                        <a:buSzTx/>
+                        <a:buFontTx/>
+                        <a:buNone/>
+                        <a:tabLst/>
+                        <a:defRPr/>
+                      </a:pPr>
+                      <a:r>
+                        <a:rPr lang="en-SI" sz="1800" b="0" kern="1200" dirty="0">
+                          <a:solidFill>
+                            <a:schemeClr val="tx1"/>
+                          </a:solidFill>
+                          <a:effectLst/>
+                          <a:latin typeface="+mn-lt"/>
+                          <a:ea typeface="+mn-ea"/>
+                          <a:cs typeface="+mn-cs"/>
+                        </a:rPr>
+                        <a:t>919.1565985279783</a:t>
+                      </a:r>
+                    </a:p>
+                  </a:txBody>
+                  <a:tcPr/>
+                </a:tc>
+                <a:extLst>
+                  <a:ext uri="{0D108BD9-81ED-4DB2-BD59-A6C34878D82A}">
+                    <a16:rowId xmlns:a16="http://schemas.microsoft.com/office/drawing/2014/main" val="356488113"/>
+                  </a:ext>
+                </a:extLst>
+              </a:tr>
+              <a:tr h="315442">
+                <a:tc>
+                  <a:txBody>
+                    <a:bodyPr/>
+                    <a:lstStyle/>
+                    <a:p>
+                      <a:pPr marL="0" marR="0" lvl="0" indent="0" algn="l" defTabSz="914400" rtl="0" eaLnBrk="1" fontAlgn="auto" latinLnBrk="0" hangingPunct="1">
+                        <a:lnSpc>
+                          <a:spcPct val="100000"/>
+                        </a:lnSpc>
+                        <a:spcBef>
+                          <a:spcPts val="0"/>
+                        </a:spcBef>
+                        <a:spcAft>
+                          <a:spcPts val="0"/>
+                        </a:spcAft>
+                        <a:buClrTx/>
+                        <a:buSzTx/>
+                        <a:buFontTx/>
+                        <a:buNone/>
+                        <a:tabLst/>
+                        <a:defRPr/>
+                      </a:pPr>
+                      <a:r>
+                        <a:rPr lang="en-SI" dirty="0"/>
+                        <a:t>F52022</a:t>
+                      </a:r>
+                    </a:p>
+                  </a:txBody>
+                  <a:tcPr/>
+                </a:tc>
+                <a:tc>
+                  <a:txBody>
+                    <a:bodyPr/>
+                    <a:lstStyle/>
+                    <a:p>
+                      <a:r>
+                        <a:rPr lang="en-SI" sz="1800" b="0" kern="1200" dirty="0">
+                          <a:solidFill>
+                            <a:schemeClr val="tx1"/>
+                          </a:solidFill>
+                          <a:effectLst/>
+                          <a:latin typeface="+mn-lt"/>
+                          <a:ea typeface="+mn-ea"/>
+                          <a:cs typeface="+mn-cs"/>
+                        </a:rPr>
+                        <a:t>919.3015135272191</a:t>
+                      </a:r>
+                    </a:p>
+                  </a:txBody>
+                  <a:tcPr/>
+                </a:tc>
+                <a:extLst>
+                  <a:ext uri="{0D108BD9-81ED-4DB2-BD59-A6C34878D82A}">
+                    <a16:rowId xmlns:a16="http://schemas.microsoft.com/office/drawing/2014/main" val="3159521088"/>
+                  </a:ext>
+                </a:extLst>
+              </a:tr>
+              <a:tr h="315442">
+                <a:tc>
+                  <a:txBody>
+                    <a:bodyPr/>
+                    <a:lstStyle/>
+                    <a:p>
+                      <a:pPr marL="0" marR="0" lvl="0" indent="0" algn="l" defTabSz="914400" rtl="0" eaLnBrk="1" fontAlgn="auto" latinLnBrk="0" hangingPunct="1">
+                        <a:lnSpc>
+                          <a:spcPct val="100000"/>
+                        </a:lnSpc>
+                        <a:spcBef>
+                          <a:spcPts val="0"/>
+                        </a:spcBef>
+                        <a:spcAft>
+                          <a:spcPts val="0"/>
+                        </a:spcAft>
+                        <a:buClrTx/>
+                        <a:buSzTx/>
+                        <a:buFontTx/>
+                        <a:buNone/>
+                        <a:tabLst/>
+                        <a:defRPr/>
+                      </a:pPr>
+                      <a:r>
+                        <a:rPr lang="en-SI" dirty="0"/>
+                        <a:t>F62022</a:t>
+                      </a:r>
+                    </a:p>
+                  </a:txBody>
+                  <a:tcPr/>
+                </a:tc>
+                <a:tc>
+                  <a:txBody>
+                    <a:bodyPr/>
+                    <a:lstStyle/>
+                    <a:p>
+                      <a:pPr marL="0" marR="0" lvl="0" indent="0" algn="l" defTabSz="914400" rtl="0" eaLnBrk="1" fontAlgn="auto" latinLnBrk="0" hangingPunct="1">
+                        <a:lnSpc>
+                          <a:spcPct val="100000"/>
+                        </a:lnSpc>
+                        <a:spcBef>
+                          <a:spcPts val="0"/>
+                        </a:spcBef>
+                        <a:spcAft>
+                          <a:spcPts val="0"/>
+                        </a:spcAft>
+                        <a:buClrTx/>
+                        <a:buSzTx/>
+                        <a:buFontTx/>
+                        <a:buNone/>
+                        <a:tabLst/>
+                        <a:defRPr/>
+                      </a:pPr>
+                      <a:r>
+                        <a:rPr lang="en-SI" sz="1800" b="0" kern="1200" dirty="0">
+                          <a:solidFill>
+                            <a:schemeClr val="tx1"/>
+                          </a:solidFill>
+                          <a:effectLst/>
+                          <a:latin typeface="+mn-lt"/>
+                          <a:ea typeface="+mn-ea"/>
+                          <a:cs typeface="+mn-cs"/>
+                        </a:rPr>
+                        <a:t>12629525.922626033</a:t>
+                      </a:r>
+                    </a:p>
+                  </a:txBody>
+                  <a:tcPr/>
+                </a:tc>
+                <a:extLst>
+                  <a:ext uri="{0D108BD9-81ED-4DB2-BD59-A6C34878D82A}">
+                    <a16:rowId xmlns:a16="http://schemas.microsoft.com/office/drawing/2014/main" val="3105921715"/>
+                  </a:ext>
+                </a:extLst>
+              </a:tr>
+            </a:tbl>
+          </a:graphicData>
+        </a:graphic>
+      </p:graphicFrame>
+      <p:graphicFrame>
+        <p:nvGraphicFramePr>
+          <p:cNvPr id="5" name="Table 4">
+            <a:extLst>
+              <a:ext uri="{FF2B5EF4-FFF2-40B4-BE49-F238E27FC236}">
+                <a16:creationId xmlns:a16="http://schemas.microsoft.com/office/drawing/2014/main" id="{14038AAB-648C-3A9C-867B-560D9AEEECD6}"/>
+              </a:ext>
+            </a:extLst>
+          </p:cNvPr>
+          <p:cNvGraphicFramePr>
+            <a:graphicFrameLocks noGrp="1"/>
+          </p:cNvGraphicFramePr>
+          <p:nvPr>
+            <p:extLst>
+              <p:ext uri="{D42A27DB-BD31-4B8C-83A1-F6EECF244321}">
+                <p14:modId xmlns:p14="http://schemas.microsoft.com/office/powerpoint/2010/main" val="2965309881"/>
+              </p:ext>
+            </p:extLst>
+          </p:nvPr>
+        </p:nvGraphicFramePr>
+        <p:xfrm>
+          <a:off x="6459138" y="3913908"/>
+          <a:ext cx="5361859" cy="2194560"/>
+        </p:xfrm>
+        <a:graphic>
+          <a:graphicData uri="http://schemas.openxmlformats.org/drawingml/2006/table">
+            <a:tbl>
+              <a:tblPr bandRow="1">
+                <a:tableStyleId>{5940675A-B579-460E-94D1-54222C63F5DA}</a:tableStyleId>
+              </a:tblPr>
+              <a:tblGrid>
+                <a:gridCol w="1368886">
+                  <a:extLst>
+                    <a:ext uri="{9D8B030D-6E8A-4147-A177-3AD203B41FA5}">
+                      <a16:colId xmlns:a16="http://schemas.microsoft.com/office/drawing/2014/main" val="3957022108"/>
+                    </a:ext>
+                  </a:extLst>
+                </a:gridCol>
+                <a:gridCol w="3992973">
+                  <a:extLst>
+                    <a:ext uri="{9D8B030D-6E8A-4147-A177-3AD203B41FA5}">
+                      <a16:colId xmlns:a16="http://schemas.microsoft.com/office/drawing/2014/main" val="3167064221"/>
+                    </a:ext>
+                  </a:extLst>
+                </a:gridCol>
+              </a:tblGrid>
+              <a:tr h="315442">
+                <a:tc>
+                  <a:txBody>
+                    <a:bodyPr/>
+                    <a:lstStyle/>
+                    <a:p>
+                      <a:r>
+                        <a:rPr lang="en-SI" dirty="0"/>
+                        <a:t>F72022</a:t>
+                      </a:r>
+                    </a:p>
+                  </a:txBody>
+                  <a:tcPr/>
+                </a:tc>
+                <a:tc>
+                  <a:txBody>
+                    <a:bodyPr/>
+                    <a:lstStyle/>
+                    <a:p>
+                      <a:r>
+                        <a:rPr lang="en-SI" sz="1800" b="0" kern="1200" dirty="0">
+                          <a:solidFill>
+                            <a:schemeClr val="tx1"/>
+                          </a:solidFill>
+                          <a:effectLst/>
+                          <a:latin typeface="+mn-lt"/>
+                          <a:ea typeface="+mn-ea"/>
+                          <a:cs typeface="+mn-cs"/>
+                        </a:rPr>
+                        <a:t>1963.23235746345</a:t>
+                      </a:r>
+                    </a:p>
+                  </a:txBody>
+                  <a:tcPr/>
+                </a:tc>
+                <a:extLst>
+                  <a:ext uri="{0D108BD9-81ED-4DB2-BD59-A6C34878D82A}">
+                    <a16:rowId xmlns:a16="http://schemas.microsoft.com/office/drawing/2014/main" val="2051538270"/>
+                  </a:ext>
+                </a:extLst>
+              </a:tr>
+              <a:tr h="315442">
+                <a:tc>
+                  <a:txBody>
+                    <a:bodyPr/>
+                    <a:lstStyle/>
+                    <a:p>
+                      <a:pPr marL="0" marR="0" lvl="0" indent="0" algn="l" defTabSz="914400" rtl="0" eaLnBrk="1" fontAlgn="auto" latinLnBrk="0" hangingPunct="1">
+                        <a:lnSpc>
+                          <a:spcPct val="100000"/>
+                        </a:lnSpc>
+                        <a:spcBef>
+                          <a:spcPts val="0"/>
+                        </a:spcBef>
+                        <a:spcAft>
+                          <a:spcPts val="0"/>
+                        </a:spcAft>
+                        <a:buClrTx/>
+                        <a:buSzTx/>
+                        <a:buFontTx/>
+                        <a:buNone/>
+                        <a:tabLst/>
+                        <a:defRPr/>
+                      </a:pPr>
+                      <a:r>
+                        <a:rPr lang="en-SI" dirty="0"/>
+                        <a:t>F82022</a:t>
+                      </a:r>
+                    </a:p>
+                  </a:txBody>
+                  <a:tcPr/>
+                </a:tc>
+                <a:tc>
+                  <a:txBody>
+                    <a:bodyPr/>
+                    <a:lstStyle/>
+                    <a:p>
+                      <a:r>
+                        <a:rPr lang="en-SI" sz="1800" b="0" kern="1200" dirty="0">
+                          <a:solidFill>
+                            <a:schemeClr val="tx1"/>
+                          </a:solidFill>
+                          <a:effectLst/>
+                          <a:latin typeface="+mn-lt"/>
+                          <a:ea typeface="+mn-ea"/>
+                          <a:cs typeface="+mn-cs"/>
+                        </a:rPr>
+                        <a:t>2714.7629955962157</a:t>
+                      </a:r>
+                    </a:p>
+                  </a:txBody>
+                  <a:tcPr/>
+                </a:tc>
+                <a:extLst>
+                  <a:ext uri="{0D108BD9-81ED-4DB2-BD59-A6C34878D82A}">
+                    <a16:rowId xmlns:a16="http://schemas.microsoft.com/office/drawing/2014/main" val="2980593822"/>
+                  </a:ext>
+                </a:extLst>
+              </a:tr>
+              <a:tr h="315442">
+                <a:tc>
+                  <a:txBody>
+                    <a:bodyPr/>
+                    <a:lstStyle/>
+                    <a:p>
+                      <a:pPr marL="0" marR="0" lvl="0" indent="0" algn="l" defTabSz="914400" rtl="0" eaLnBrk="1" fontAlgn="auto" latinLnBrk="0" hangingPunct="1">
+                        <a:lnSpc>
+                          <a:spcPct val="100000"/>
+                        </a:lnSpc>
+                        <a:spcBef>
+                          <a:spcPts val="0"/>
+                        </a:spcBef>
+                        <a:spcAft>
+                          <a:spcPts val="0"/>
+                        </a:spcAft>
+                        <a:buClrTx/>
+                        <a:buSzTx/>
+                        <a:buFontTx/>
+                        <a:buNone/>
+                        <a:tabLst/>
+                        <a:defRPr/>
+                      </a:pPr>
+                      <a:r>
+                        <a:rPr lang="en-SI" dirty="0"/>
+                        <a:t>F92022</a:t>
+                      </a:r>
+                    </a:p>
+                  </a:txBody>
+                  <a:tcPr/>
+                </a:tc>
+                <a:tc>
+                  <a:txBody>
+                    <a:bodyPr/>
+                    <a:lstStyle/>
+                    <a:p>
+                      <a:r>
+                        <a:rPr lang="en-SI" sz="1800" b="0" kern="1200" dirty="0">
+                          <a:solidFill>
+                            <a:schemeClr val="tx1"/>
+                          </a:solidFill>
+                          <a:effectLst/>
+                          <a:latin typeface="+mn-lt"/>
+                          <a:ea typeface="+mn-ea"/>
+                          <a:cs typeface="+mn-cs"/>
+                        </a:rPr>
+                        <a:t>2653.5616194677123</a:t>
+                      </a:r>
+                    </a:p>
+                  </a:txBody>
+                  <a:tcPr/>
+                </a:tc>
+                <a:extLst>
+                  <a:ext uri="{0D108BD9-81ED-4DB2-BD59-A6C34878D82A}">
+                    <a16:rowId xmlns:a16="http://schemas.microsoft.com/office/drawing/2014/main" val="1627566945"/>
+                  </a:ext>
+                </a:extLst>
+              </a:tr>
+              <a:tr h="315442">
+                <a:tc>
+                  <a:txBody>
+                    <a:bodyPr/>
+                    <a:lstStyle/>
+                    <a:p>
+                      <a:pPr marL="0" marR="0" lvl="0" indent="0" algn="l" defTabSz="914400" rtl="0" eaLnBrk="1" fontAlgn="auto" latinLnBrk="0" hangingPunct="1">
+                        <a:lnSpc>
+                          <a:spcPct val="100000"/>
+                        </a:lnSpc>
+                        <a:spcBef>
+                          <a:spcPts val="0"/>
+                        </a:spcBef>
+                        <a:spcAft>
+                          <a:spcPts val="0"/>
+                        </a:spcAft>
+                        <a:buClrTx/>
+                        <a:buSzTx/>
+                        <a:buFontTx/>
+                        <a:buNone/>
+                        <a:tabLst/>
+                        <a:defRPr/>
+                      </a:pPr>
+                      <a:r>
+                        <a:rPr lang="en-SI" dirty="0"/>
+                        <a:t>F102022</a:t>
+                      </a:r>
+                    </a:p>
+                  </a:txBody>
+                  <a:tcPr/>
+                </a:tc>
+                <a:tc>
+                  <a:txBody>
+                    <a:bodyPr/>
+                    <a:lstStyle/>
+                    <a:p>
+                      <a:pPr marL="0" marR="0" lvl="0" indent="0" algn="l" defTabSz="914400" rtl="0" eaLnBrk="1" fontAlgn="auto" latinLnBrk="0" hangingPunct="1">
+                        <a:lnSpc>
+                          <a:spcPct val="100000"/>
+                        </a:lnSpc>
+                        <a:spcBef>
+                          <a:spcPts val="0"/>
+                        </a:spcBef>
+                        <a:spcAft>
+                          <a:spcPts val="0"/>
+                        </a:spcAft>
+                        <a:buClrTx/>
+                        <a:buSzTx/>
+                        <a:buFontTx/>
+                        <a:buNone/>
+                        <a:tabLst/>
+                        <a:defRPr/>
+                      </a:pPr>
+                      <a:r>
+                        <a:rPr lang="en-SI" sz="1800" b="0" kern="1200" dirty="0">
+                          <a:solidFill>
+                            <a:schemeClr val="tx1"/>
+                          </a:solidFill>
+                          <a:effectLst/>
+                          <a:latin typeface="+mn-lt"/>
+                          <a:ea typeface="+mn-ea"/>
+                          <a:cs typeface="+mn-cs"/>
+                        </a:rPr>
+                        <a:t>-1835.9357352617144</a:t>
+                      </a:r>
+                    </a:p>
+                  </a:txBody>
+                  <a:tcPr/>
+                </a:tc>
+                <a:extLst>
+                  <a:ext uri="{0D108BD9-81ED-4DB2-BD59-A6C34878D82A}">
+                    <a16:rowId xmlns:a16="http://schemas.microsoft.com/office/drawing/2014/main" val="356488113"/>
+                  </a:ext>
+                </a:extLst>
+              </a:tr>
+              <a:tr h="315442">
+                <a:tc>
+                  <a:txBody>
+                    <a:bodyPr/>
+                    <a:lstStyle/>
+                    <a:p>
+                      <a:pPr marL="0" marR="0" lvl="0" indent="0" algn="l" defTabSz="914400" rtl="0" eaLnBrk="1" fontAlgn="auto" latinLnBrk="0" hangingPunct="1">
+                        <a:lnSpc>
+                          <a:spcPct val="100000"/>
+                        </a:lnSpc>
+                        <a:spcBef>
+                          <a:spcPts val="0"/>
+                        </a:spcBef>
+                        <a:spcAft>
+                          <a:spcPts val="0"/>
+                        </a:spcAft>
+                        <a:buClrTx/>
+                        <a:buSzTx/>
+                        <a:buFontTx/>
+                        <a:buNone/>
+                        <a:tabLst/>
+                        <a:defRPr/>
+                      </a:pPr>
+                      <a:r>
+                        <a:rPr lang="en-SI" dirty="0"/>
+                        <a:t>F112022</a:t>
+                      </a:r>
+                    </a:p>
+                  </a:txBody>
+                  <a:tcPr/>
+                </a:tc>
+                <a:tc>
+                  <a:txBody>
+                    <a:bodyPr/>
+                    <a:lstStyle/>
+                    <a:p>
+                      <a:r>
+                        <a:rPr lang="en-SI" sz="1800" b="0" kern="1200" dirty="0">
+                          <a:solidFill>
+                            <a:schemeClr val="tx1"/>
+                          </a:solidFill>
+                          <a:effectLst/>
+                          <a:latin typeface="+mn-lt"/>
+                          <a:ea typeface="+mn-ea"/>
+                          <a:cs typeface="+mn-cs"/>
+                        </a:rPr>
+                        <a:t>2618.278029372353</a:t>
+                      </a:r>
+                    </a:p>
+                  </a:txBody>
+                  <a:tcPr/>
+                </a:tc>
+                <a:extLst>
+                  <a:ext uri="{0D108BD9-81ED-4DB2-BD59-A6C34878D82A}">
+                    <a16:rowId xmlns:a16="http://schemas.microsoft.com/office/drawing/2014/main" val="3159521088"/>
+                  </a:ext>
+                </a:extLst>
+              </a:tr>
+              <a:tr h="315442">
+                <a:tc>
+                  <a:txBody>
+                    <a:bodyPr/>
+                    <a:lstStyle/>
+                    <a:p>
+                      <a:pPr marL="0" marR="0" lvl="0" indent="0" algn="l" defTabSz="914400" rtl="0" eaLnBrk="1" fontAlgn="auto" latinLnBrk="0" hangingPunct="1">
+                        <a:lnSpc>
+                          <a:spcPct val="100000"/>
+                        </a:lnSpc>
+                        <a:spcBef>
+                          <a:spcPts val="0"/>
+                        </a:spcBef>
+                        <a:spcAft>
+                          <a:spcPts val="0"/>
+                        </a:spcAft>
+                        <a:buClrTx/>
+                        <a:buSzTx/>
+                        <a:buFontTx/>
+                        <a:buNone/>
+                        <a:tabLst/>
+                        <a:defRPr/>
+                      </a:pPr>
+                      <a:r>
+                        <a:rPr lang="en-SI" dirty="0"/>
+                        <a:t>F122022</a:t>
+                      </a:r>
+                    </a:p>
+                  </a:txBody>
+                  <a:tcPr/>
+                </a:tc>
+                <a:tc>
+                  <a:txBody>
+                    <a:bodyPr/>
+                    <a:lstStyle/>
+                    <a:p>
+                      <a:r>
+                        <a:rPr lang="en-SI" sz="1800" b="0" kern="1200" dirty="0">
+                          <a:solidFill>
+                            <a:schemeClr val="tx1"/>
+                          </a:solidFill>
+                          <a:effectLst/>
+                          <a:latin typeface="+mn-lt"/>
+                          <a:ea typeface="+mn-ea"/>
+                          <a:cs typeface="+mn-cs"/>
+                        </a:rPr>
+                        <a:t>2942.8734245992828</a:t>
+                      </a:r>
+                    </a:p>
+                  </a:txBody>
+                  <a:tcPr/>
+                </a:tc>
+                <a:extLst>
+                  <a:ext uri="{0D108BD9-81ED-4DB2-BD59-A6C34878D82A}">
+                    <a16:rowId xmlns:a16="http://schemas.microsoft.com/office/drawing/2014/main" val="3105921715"/>
+                  </a:ext>
+                </a:extLst>
+              </a:tr>
+            </a:tbl>
+          </a:graphicData>
+        </a:graphic>
+      </p:graphicFrame>
     </p:spTree>
     <p:extLst>
       <p:ext uri="{BB962C8B-B14F-4D97-AF65-F5344CB8AC3E}">
